--- a/KernelDeveloperGuide/pptx/kernel_link.pptx
+++ b/KernelDeveloperGuide/pptx/kernel_link.pptx
@@ -235,7 +235,7 @@
               <a:rPr lang="fr-FR" smtClean="0">
                 <a:latin typeface="Calibri Regular" charset="0"/>
               </a:rPr>
-              <a:t>23/09/2021</a:t>
+              <a:t>04/05/2022</a:t>
             </a:fld>
             <a:endParaRPr lang="en-US" dirty="0">
               <a:latin typeface="Calibri Regular" charset="0"/>
@@ -423,7 +423,7 @@
           <a:p>
             <a:fld id="{D125E8DA-58CB-F841-A404-E11EC1E2C988}" type="datetime1">
               <a:rPr lang="fr-FR" smtClean="0"/>
-              <a:t>23/09/2021</a:t>
+              <a:t>04/05/2022</a:t>
             </a:fld>
             <a:endParaRPr lang="en-US" dirty="0"/>
           </a:p>
@@ -4496,7 +4496,7 @@
           <a:p>
             <a:fld id="{198ED07F-DFCB-4ABE-A311-845A3D30E5DB}" type="datetime7">
               <a:rPr lang="en-US" smtClean="0"/>
-              <a:t>Sep-21</a:t>
+              <a:t>May-22</a:t>
             </a:fld>
             <a:endParaRPr lang="en-US" dirty="0"/>
           </a:p>
@@ -28051,7 +28051,7 @@
           <p:cNvPr id="14" name="Slide Number Placeholder 5">
             <a:extLst>
               <a:ext uri="{FF2B5EF4-FFF2-40B4-BE49-F238E27FC236}">
-                <a16:creationId xmlns="" xmlns:a16="http://schemas.microsoft.com/office/drawing/2014/main" id="{D6A5EA0A-9DA9-564F-8F7D-CF263DB84C39}"/>
+                <a16:creationId xmlns:a16="http://schemas.microsoft.com/office/drawing/2014/main" xmlns="" id="{D6A5EA0A-9DA9-564F-8F7D-CF263DB84C39}"/>
               </a:ext>
             </a:extLst>
           </p:cNvPr>
@@ -28219,7 +28219,7 @@
           <p:cNvPr id="21" name="Straight Connector 20">
             <a:extLst>
               <a:ext uri="{FF2B5EF4-FFF2-40B4-BE49-F238E27FC236}">
-                <a16:creationId xmlns="" xmlns:a16="http://schemas.microsoft.com/office/drawing/2014/main" id="{F4443C96-B82D-F449-A71B-02134B6BB207}"/>
+                <a16:creationId xmlns:a16="http://schemas.microsoft.com/office/drawing/2014/main" xmlns="" id="{F4443C96-B82D-F449-A71B-02134B6BB207}"/>
               </a:ext>
             </a:extLst>
           </p:cNvPr>
@@ -28885,7 +28885,7 @@
           <p:cNvPr id="14" name="Slide Number Placeholder 5">
             <a:extLst>
               <a:ext uri="{FF2B5EF4-FFF2-40B4-BE49-F238E27FC236}">
-                <a16:creationId xmlns="" xmlns:a16="http://schemas.microsoft.com/office/drawing/2014/main" id="{D6A5EA0A-9DA9-564F-8F7D-CF263DB84C39}"/>
+                <a16:creationId xmlns:a16="http://schemas.microsoft.com/office/drawing/2014/main" xmlns="" id="{D6A5EA0A-9DA9-564F-8F7D-CF263DB84C39}"/>
               </a:ext>
             </a:extLst>
           </p:cNvPr>
@@ -29053,7 +29053,7 @@
           <p:cNvPr id="21" name="Straight Connector 20">
             <a:extLst>
               <a:ext uri="{FF2B5EF4-FFF2-40B4-BE49-F238E27FC236}">
-                <a16:creationId xmlns="" xmlns:a16="http://schemas.microsoft.com/office/drawing/2014/main" id="{F4443C96-B82D-F449-A71B-02134B6BB207}"/>
+                <a16:creationId xmlns:a16="http://schemas.microsoft.com/office/drawing/2014/main" xmlns="" id="{F4443C96-B82D-F449-A71B-02134B6BB207}"/>
               </a:ext>
             </a:extLst>
           </p:cNvPr>
@@ -29139,7 +29139,7 @@
           <p:cNvPr id="6" name="Slide Number Placeholder 5">
             <a:extLst>
               <a:ext uri="{FF2B5EF4-FFF2-40B4-BE49-F238E27FC236}">
-                <a16:creationId xmlns="" xmlns:a16="http://schemas.microsoft.com/office/drawing/2014/main" id="{D6A5EA0A-9DA9-564F-8F7D-CF263DB84C39}"/>
+                <a16:creationId xmlns:a16="http://schemas.microsoft.com/office/drawing/2014/main" xmlns="" id="{D6A5EA0A-9DA9-564F-8F7D-CF263DB84C39}"/>
               </a:ext>
             </a:extLst>
           </p:cNvPr>
@@ -29307,7 +29307,7 @@
           <p:cNvPr id="8" name="Straight Connector 7">
             <a:extLst>
               <a:ext uri="{FF2B5EF4-FFF2-40B4-BE49-F238E27FC236}">
-                <a16:creationId xmlns="" xmlns:a16="http://schemas.microsoft.com/office/drawing/2014/main" id="{F4443C96-B82D-F449-A71B-02134B6BB207}"/>
+                <a16:creationId xmlns:a16="http://schemas.microsoft.com/office/drawing/2014/main" xmlns="" id="{F4443C96-B82D-F449-A71B-02134B6BB207}"/>
               </a:ext>
             </a:extLst>
           </p:cNvPr>
@@ -30141,7 +30141,7 @@
           <p:cNvPr id="14" name="Slide Number Placeholder 5">
             <a:extLst>
               <a:ext uri="{FF2B5EF4-FFF2-40B4-BE49-F238E27FC236}">
-                <a16:creationId xmlns="" xmlns:a16="http://schemas.microsoft.com/office/drawing/2014/main" id="{D6A5EA0A-9DA9-564F-8F7D-CF263DB84C39}"/>
+                <a16:creationId xmlns:a16="http://schemas.microsoft.com/office/drawing/2014/main" xmlns="" id="{D6A5EA0A-9DA9-564F-8F7D-CF263DB84C39}"/>
               </a:ext>
             </a:extLst>
           </p:cNvPr>
@@ -30309,7 +30309,7 @@
           <p:cNvPr id="21" name="Straight Connector 20">
             <a:extLst>
               <a:ext uri="{FF2B5EF4-FFF2-40B4-BE49-F238E27FC236}">
-                <a16:creationId xmlns="" xmlns:a16="http://schemas.microsoft.com/office/drawing/2014/main" id="{F4443C96-B82D-F449-A71B-02134B6BB207}"/>
+                <a16:creationId xmlns:a16="http://schemas.microsoft.com/office/drawing/2014/main" xmlns="" id="{F4443C96-B82D-F449-A71B-02134B6BB207}"/>
               </a:ext>
             </a:extLst>
           </p:cNvPr>
@@ -30395,7 +30395,7 @@
           <p:cNvPr id="6" name="Slide Number Placeholder 5">
             <a:extLst>
               <a:ext uri="{FF2B5EF4-FFF2-40B4-BE49-F238E27FC236}">
-                <a16:creationId xmlns="" xmlns:a16="http://schemas.microsoft.com/office/drawing/2014/main" id="{D6A5EA0A-9DA9-564F-8F7D-CF263DB84C39}"/>
+                <a16:creationId xmlns:a16="http://schemas.microsoft.com/office/drawing/2014/main" xmlns="" id="{D6A5EA0A-9DA9-564F-8F7D-CF263DB84C39}"/>
               </a:ext>
             </a:extLst>
           </p:cNvPr>
@@ -30563,7 +30563,7 @@
           <p:cNvPr id="8" name="Straight Connector 7">
             <a:extLst>
               <a:ext uri="{FF2B5EF4-FFF2-40B4-BE49-F238E27FC236}">
-                <a16:creationId xmlns="" xmlns:a16="http://schemas.microsoft.com/office/drawing/2014/main" id="{F4443C96-B82D-F449-A71B-02134B6BB207}"/>
+                <a16:creationId xmlns:a16="http://schemas.microsoft.com/office/drawing/2014/main" xmlns="" id="{F4443C96-B82D-F449-A71B-02134B6BB207}"/>
               </a:ext>
             </a:extLst>
           </p:cNvPr>
@@ -31397,7 +31397,7 @@
           <p:cNvPr id="14" name="Slide Number Placeholder 5">
             <a:extLst>
               <a:ext uri="{FF2B5EF4-FFF2-40B4-BE49-F238E27FC236}">
-                <a16:creationId xmlns="" xmlns:a16="http://schemas.microsoft.com/office/drawing/2014/main" id="{D6A5EA0A-9DA9-564F-8F7D-CF263DB84C39}"/>
+                <a16:creationId xmlns:a16="http://schemas.microsoft.com/office/drawing/2014/main" xmlns="" id="{D6A5EA0A-9DA9-564F-8F7D-CF263DB84C39}"/>
               </a:ext>
             </a:extLst>
           </p:cNvPr>
@@ -31565,7 +31565,7 @@
           <p:cNvPr id="21" name="Straight Connector 20">
             <a:extLst>
               <a:ext uri="{FF2B5EF4-FFF2-40B4-BE49-F238E27FC236}">
-                <a16:creationId xmlns="" xmlns:a16="http://schemas.microsoft.com/office/drawing/2014/main" id="{F4443C96-B82D-F449-A71B-02134B6BB207}"/>
+                <a16:creationId xmlns:a16="http://schemas.microsoft.com/office/drawing/2014/main" xmlns="" id="{F4443C96-B82D-F449-A71B-02134B6BB207}"/>
               </a:ext>
             </a:extLst>
           </p:cNvPr>
@@ -31651,7 +31651,7 @@
           <p:cNvPr id="6" name="Slide Number Placeholder 5">
             <a:extLst>
               <a:ext uri="{FF2B5EF4-FFF2-40B4-BE49-F238E27FC236}">
-                <a16:creationId xmlns="" xmlns:a16="http://schemas.microsoft.com/office/drawing/2014/main" id="{D6A5EA0A-9DA9-564F-8F7D-CF263DB84C39}"/>
+                <a16:creationId xmlns:a16="http://schemas.microsoft.com/office/drawing/2014/main" xmlns="" id="{D6A5EA0A-9DA9-564F-8F7D-CF263DB84C39}"/>
               </a:ext>
             </a:extLst>
           </p:cNvPr>
@@ -31819,7 +31819,7 @@
           <p:cNvPr id="8" name="Straight Connector 7">
             <a:extLst>
               <a:ext uri="{FF2B5EF4-FFF2-40B4-BE49-F238E27FC236}">
-                <a16:creationId xmlns="" xmlns:a16="http://schemas.microsoft.com/office/drawing/2014/main" id="{F4443C96-B82D-F449-A71B-02134B6BB207}"/>
+                <a16:creationId xmlns:a16="http://schemas.microsoft.com/office/drawing/2014/main" xmlns="" id="{F4443C96-B82D-F449-A71B-02134B6BB207}"/>
               </a:ext>
             </a:extLst>
           </p:cNvPr>
@@ -32920,29 +32920,7 @@
                 <a:ea typeface="Source Sans Pro Light" charset="0"/>
                 <a:cs typeface="Source Sans Pro Light" charset="0"/>
               </a:rPr>
-              <a:t>SOAR (</a:t>
-            </a:r>
-            <a:r>
-              <a:rPr lang="en-US" sz="1000" dirty="0" err="1" smtClean="0">
-                <a:solidFill>
-                  <a:srgbClr val="FFFFFF"/>
-                </a:solidFill>
-                <a:latin typeface="Source Sans Pro Light" charset="0"/>
-                <a:ea typeface="Source Sans Pro Light" charset="0"/>
-                <a:cs typeface="Source Sans Pro Light" charset="0"/>
-              </a:rPr>
-              <a:t>Compiler+Optimizer</a:t>
-            </a:r>
-            <a:r>
-              <a:rPr lang="en-US" sz="1000" dirty="0" smtClean="0">
-                <a:solidFill>
-                  <a:srgbClr val="FFFFFF"/>
-                </a:solidFill>
-                <a:latin typeface="Source Sans Pro Light" charset="0"/>
-                <a:ea typeface="Source Sans Pro Light" charset="0"/>
-                <a:cs typeface="Source Sans Pro Light" charset="0"/>
-              </a:rPr>
-              <a:t>)</a:t>
+              <a:t>SOAR</a:t>
             </a:r>
             <a:endParaRPr lang="en-US" sz="1000" dirty="0">
               <a:solidFill>
@@ -33812,18 +33790,7 @@
                   <a:ea typeface="Source Sans Pro Light" charset="0"/>
                   <a:cs typeface="Source Sans Pro Light" charset="0"/>
                 </a:rPr>
-                <a:t>- </a:t>
-              </a:r>
-              <a:r>
-                <a:rPr lang="en-GB" sz="1000" dirty="0" smtClean="0">
-                  <a:solidFill>
-                    <a:schemeClr val="bg1"/>
-                  </a:solidFill>
-                  <a:latin typeface="Source Sans Pro Light" charset="0"/>
-                  <a:ea typeface="Source Sans Pro Light" charset="0"/>
-                  <a:cs typeface="Source Sans Pro Light" charset="0"/>
-                </a:rPr>
-                <a:t>#bar  </a:t>
+                <a:t>- #bar  </a:t>
               </a:r>
               <a:r>
                 <a:rPr lang="en-GB" sz="1000" dirty="0">
@@ -33847,18 +33814,7 @@
                   <a:ea typeface="Source Sans Pro Light" charset="0"/>
                   <a:cs typeface="Source Sans Pro Light" charset="0"/>
                 </a:rPr>
-                <a:t>- </a:t>
-              </a:r>
-              <a:r>
-                <a:rPr lang="en-GB" sz="1000" dirty="0" smtClean="0">
-                  <a:solidFill>
-                    <a:schemeClr val="bg1"/>
-                  </a:solidFill>
-                  <a:latin typeface="Source Sans Pro Light" charset="0"/>
-                  <a:ea typeface="Source Sans Pro Light" charset="0"/>
-                  <a:cs typeface="Source Sans Pro Light" charset="0"/>
-                </a:rPr>
-                <a:t>#</a:t>
+                <a:t>- #</a:t>
               </a:r>
               <a:r>
                 <a:rPr lang="en-GB" sz="1000" dirty="0" err="1">
@@ -34678,6 +34634,75 @@
               <a:solidFill>
                 <a:srgbClr val="97A7AF"/>
               </a:solidFill>
+            </a:endParaRPr>
+          </a:p>
+        </p:txBody>
+      </p:sp>
+      <p:sp>
+        <p:nvSpPr>
+          <p:cNvPr id="2" name="TextBox 1"/>
+          <p:cNvSpPr txBox="1"/>
+          <p:nvPr/>
+        </p:nvSpPr>
+        <p:spPr>
+          <a:xfrm>
+            <a:off x="191344" y="2850"/>
+            <a:ext cx="1170192" cy="215444"/>
+          </a:xfrm>
+          <a:prstGeom prst="rect">
+            <a:avLst/>
+          </a:prstGeom>
+          <a:noFill/>
+        </p:spPr>
+        <p:txBody>
+          <a:bodyPr vert="horz" wrap="none" lIns="0" tIns="0" rIns="0" bIns="0" numCol="1" spcCol="288000" rtlCol="0" anchor="t" anchorCtr="0">
+            <a:spAutoFit/>
+          </a:bodyPr>
+          <a:lstStyle/>
+          <a:p>
+            <a:pPr algn="l">
+              <a:spcBef>
+                <a:spcPts val="0"/>
+              </a:spcBef>
+              <a:spcAft>
+                <a:spcPts val="600"/>
+              </a:spcAft>
+            </a:pPr>
+            <a:r>
+              <a:rPr lang="en-US" sz="1400" b="0" i="0" spc="0" dirty="0" smtClean="0">
+                <a:ln>
+                  <a:noFill/>
+                </a:ln>
+                <a:solidFill>
+                  <a:schemeClr val="tx2"/>
+                </a:solidFill>
+                <a:latin typeface="Source Sans Pro Light" charset="0"/>
+                <a:ea typeface="Source Sans Pro Light" charset="0"/>
+                <a:cs typeface="Source Sans Pro Light" charset="0"/>
+              </a:rPr>
+              <a:t>link_kernel</a:t>
+            </a:r>
+            <a:r>
+              <a:rPr lang="en-US" sz="1400" dirty="0" smtClean="0">
+                <a:solidFill>
+                  <a:schemeClr val="tx2"/>
+                </a:solidFill>
+                <a:latin typeface="Source Sans Pro Light" charset="0"/>
+                <a:ea typeface="Source Sans Pro Light" charset="0"/>
+                <a:cs typeface="Source Sans Pro Light" charset="0"/>
+              </a:rPr>
+              <a:t>.png</a:t>
+            </a:r>
+            <a:endParaRPr lang="en-US" sz="1400" b="0" i="0" spc="0" dirty="0" smtClean="0">
+              <a:ln>
+                <a:noFill/>
+              </a:ln>
+              <a:solidFill>
+                <a:schemeClr val="tx2"/>
+              </a:solidFill>
+              <a:latin typeface="Source Sans Pro Light" charset="0"/>
+              <a:ea typeface="Source Sans Pro Light" charset="0"/>
+              <a:cs typeface="Source Sans Pro Light" charset="0"/>
             </a:endParaRPr>
           </a:p>
         </p:txBody>
@@ -35576,18 +35601,7 @@
                   <a:ea typeface="Source Sans Pro Light" charset="0"/>
                   <a:cs typeface="Source Sans Pro Light" charset="0"/>
                 </a:rPr>
-                <a:t>- </a:t>
-              </a:r>
-              <a:r>
-                <a:rPr lang="en-GB" sz="1000" dirty="0" smtClean="0">
-                  <a:solidFill>
-                    <a:schemeClr val="bg1"/>
-                  </a:solidFill>
-                  <a:latin typeface="Source Sans Pro Light" charset="0"/>
-                  <a:ea typeface="Source Sans Pro Light" charset="0"/>
-                  <a:cs typeface="Source Sans Pro Light" charset="0"/>
-                </a:rPr>
-                <a:t>#bar  </a:t>
+                <a:t>- #bar  </a:t>
               </a:r>
               <a:r>
                 <a:rPr lang="en-GB" sz="1000" dirty="0">
@@ -35611,18 +35625,7 @@
                   <a:ea typeface="Source Sans Pro Light" charset="0"/>
                   <a:cs typeface="Source Sans Pro Light" charset="0"/>
                 </a:rPr>
-                <a:t>- </a:t>
-              </a:r>
-              <a:r>
-                <a:rPr lang="en-GB" sz="1000" dirty="0" smtClean="0">
-                  <a:solidFill>
-                    <a:schemeClr val="bg1"/>
-                  </a:solidFill>
-                  <a:latin typeface="Source Sans Pro Light" charset="0"/>
-                  <a:ea typeface="Source Sans Pro Light" charset="0"/>
-                  <a:cs typeface="Source Sans Pro Light" charset="0"/>
-                </a:rPr>
-                <a:t>#</a:t>
+                <a:t>- #</a:t>
               </a:r>
               <a:r>
                 <a:rPr lang="en-GB" sz="1000" dirty="0" err="1" smtClean="0">
